--- a/1_ressources/2_presentation_fonctionnement.pptx
+++ b/1_ressources/2_presentation_fonctionnement.pptx
@@ -5,7 +5,7 @@
     <p:sldMasterId id="2147483648" r:id="rId1"/>
   </p:sldMasterIdLst>
   <p:notesMasterIdLst>
-    <p:notesMasterId r:id="rId12"/>
+    <p:notesMasterId r:id="rId13"/>
   </p:notesMasterIdLst>
   <p:sldIdLst>
     <p:sldId id="256" r:id="rId2"/>
@@ -18,6 +18,7 @@
     <p:sldId id="268" r:id="rId9"/>
     <p:sldId id="269" r:id="rId10"/>
     <p:sldId id="270" r:id="rId11"/>
+    <p:sldId id="271" r:id="rId12"/>
   </p:sldIdLst>
   <p:sldSz cx="12192000" cy="6858000"/>
   <p:notesSz cx="6858000" cy="9144000"/>
@@ -206,7 +207,7 @@
           <a:p>
             <a:fld id="{2A11EF29-F031-4460-BDC1-2F4C0816FF62}" type="datetimeFigureOut">
               <a:rPr lang="fr-FR" smtClean="0"/>
-              <a:t>07/01/2019</a:t>
+              <a:t>08/01/2019</a:t>
             </a:fld>
             <a:endParaRPr lang="fr-FR"/>
           </a:p>
@@ -938,7 +939,7 @@
           <a:p>
             <a:fld id="{61E68B4C-A18C-4580-9DBF-10C1B552DA0A}" type="datetime1">
               <a:rPr lang="fr-FR" smtClean="0"/>
-              <a:t>07/01/2019</a:t>
+              <a:t>08/01/2019</a:t>
             </a:fld>
             <a:endParaRPr lang="fr-FR"/>
           </a:p>
@@ -1109,7 +1110,7 @@
           <a:p>
             <a:fld id="{33BBDF30-760E-44D6-9977-54B88BDB306F}" type="datetime1">
               <a:rPr lang="fr-FR" smtClean="0"/>
-              <a:t>07/01/2019</a:t>
+              <a:t>08/01/2019</a:t>
             </a:fld>
             <a:endParaRPr lang="fr-FR"/>
           </a:p>
@@ -1290,7 +1291,7 @@
           <a:p>
             <a:fld id="{936C1701-50D5-46A3-8884-D7962FCBEB35}" type="datetime1">
               <a:rPr lang="fr-FR" smtClean="0"/>
-              <a:t>07/01/2019</a:t>
+              <a:t>08/01/2019</a:t>
             </a:fld>
             <a:endParaRPr lang="fr-FR"/>
           </a:p>
@@ -1461,7 +1462,7 @@
           <a:p>
             <a:fld id="{FB1C5CD7-A317-4B47-8334-BE6C77F3043D}" type="datetime1">
               <a:rPr lang="fr-FR" smtClean="0"/>
-              <a:t>07/01/2019</a:t>
+              <a:t>08/01/2019</a:t>
             </a:fld>
             <a:endParaRPr lang="fr-FR"/>
           </a:p>
@@ -1709,7 +1710,7 @@
           <a:p>
             <a:fld id="{27BB4E62-2182-4E64-A865-E0316FE55639}" type="datetime1">
               <a:rPr lang="fr-FR" smtClean="0"/>
-              <a:t>07/01/2019</a:t>
+              <a:t>08/01/2019</a:t>
             </a:fld>
             <a:endParaRPr lang="fr-FR"/>
           </a:p>
@@ -1941,7 +1942,7 @@
           <a:p>
             <a:fld id="{5C848654-37BD-4CD6-BC6D-5ABAE3294E16}" type="datetime1">
               <a:rPr lang="fr-FR" smtClean="0"/>
-              <a:t>07/01/2019</a:t>
+              <a:t>08/01/2019</a:t>
             </a:fld>
             <a:endParaRPr lang="fr-FR"/>
           </a:p>
@@ -2308,7 +2309,7 @@
           <a:p>
             <a:fld id="{868D0E6B-48A9-4A38-BF7D-049DC383303E}" type="datetime1">
               <a:rPr lang="fr-FR" smtClean="0"/>
-              <a:t>07/01/2019</a:t>
+              <a:t>08/01/2019</a:t>
             </a:fld>
             <a:endParaRPr lang="fr-FR"/>
           </a:p>
@@ -2428,7 +2429,7 @@
           <a:p>
             <a:fld id="{48C90E04-18E3-4E93-8B1D-B61C20F8CDF0}" type="datetime1">
               <a:rPr lang="fr-FR" smtClean="0"/>
-              <a:t>07/01/2019</a:t>
+              <a:t>08/01/2019</a:t>
             </a:fld>
             <a:endParaRPr lang="fr-FR"/>
           </a:p>
@@ -2526,7 +2527,7 @@
           <a:p>
             <a:fld id="{35B94D30-C13E-4A60-87D1-612090FE3305}" type="datetime1">
               <a:rPr lang="fr-FR" smtClean="0"/>
-              <a:t>07/01/2019</a:t>
+              <a:t>08/01/2019</a:t>
             </a:fld>
             <a:endParaRPr lang="fr-FR"/>
           </a:p>
@@ -2804,7 +2805,7 @@
           <a:p>
             <a:fld id="{566614E8-8C48-447B-8312-B5AD964AE5CA}" type="datetime1">
               <a:rPr lang="fr-FR" smtClean="0"/>
-              <a:t>07/01/2019</a:t>
+              <a:t>08/01/2019</a:t>
             </a:fld>
             <a:endParaRPr lang="fr-FR"/>
           </a:p>
@@ -3059,7 +3060,7 @@
           <a:p>
             <a:fld id="{269CDBDD-4A65-4264-B0FD-6A38E12ADD25}" type="datetime1">
               <a:rPr lang="fr-FR" smtClean="0"/>
-              <a:t>07/01/2019</a:t>
+              <a:t>08/01/2019</a:t>
             </a:fld>
             <a:endParaRPr lang="fr-FR"/>
           </a:p>
@@ -3273,7 +3274,7 @@
           <a:p>
             <a:fld id="{A2F7CCBE-29F8-4CD9-B9A9-0931E30CBD53}" type="datetime1">
               <a:rPr lang="fr-FR" smtClean="0"/>
-              <a:t>07/01/2019</a:t>
+              <a:t>08/01/2019</a:t>
             </a:fld>
             <a:endParaRPr lang="fr-FR"/>
           </a:p>
@@ -3923,6 +3924,223 @@
     <p:extLst>
       <p:ext uri="{BB962C8B-B14F-4D97-AF65-F5344CB8AC3E}">
         <p14:creationId xmlns:p14="http://schemas.microsoft.com/office/powerpoint/2010/main" val="2544442252"/>
+      </p:ext>
+    </p:extLst>
+  </p:cSld>
+  <p:clrMapOvr>
+    <a:masterClrMapping/>
+  </p:clrMapOvr>
+</p:sld>
+</file>
+
+<file path=ppt/slides/slide11.xml><?xml version="1.0" encoding="utf-8"?>
+<p:sld xmlns:a="http://schemas.openxmlformats.org/drawingml/2006/main" xmlns:r="http://schemas.openxmlformats.org/officeDocument/2006/relationships" xmlns:p="http://schemas.openxmlformats.org/presentationml/2006/main">
+  <p:cSld>
+    <p:spTree>
+      <p:nvGrpSpPr>
+        <p:cNvPr id="1" name=""/>
+        <p:cNvGrpSpPr/>
+        <p:nvPr/>
+      </p:nvGrpSpPr>
+      <p:grpSpPr>
+        <a:xfrm>
+          <a:off x="0" y="0"/>
+          <a:ext cx="0" cy="0"/>
+          <a:chOff x="0" y="0"/>
+          <a:chExt cx="0" cy="0"/>
+        </a:xfrm>
+      </p:grpSpPr>
+      <p:sp>
+        <p:nvSpPr>
+          <p:cNvPr id="2" name="Titre 1">
+            <a:extLst>
+              <a:ext uri="{FF2B5EF4-FFF2-40B4-BE49-F238E27FC236}">
+                <a16:creationId xmlns:a16="http://schemas.microsoft.com/office/drawing/2014/main" id="{9654B764-267F-4E33-98A3-F77D1A734933}"/>
+              </a:ext>
+            </a:extLst>
+          </p:cNvPr>
+          <p:cNvSpPr>
+            <a:spLocks noGrp="1"/>
+          </p:cNvSpPr>
+          <p:nvPr>
+            <p:ph type="title"/>
+          </p:nvPr>
+        </p:nvSpPr>
+        <p:spPr/>
+        <p:txBody>
+          <a:bodyPr/>
+          <a:lstStyle/>
+          <a:p>
+            <a:r>
+              <a:rPr lang="fr-FR" dirty="0"/>
+              <a:t>La vie d’une activité</a:t>
+            </a:r>
+          </a:p>
+        </p:txBody>
+      </p:sp>
+      <p:sp>
+        <p:nvSpPr>
+          <p:cNvPr id="3" name="Espace réservé du contenu 2">
+            <a:extLst>
+              <a:ext uri="{FF2B5EF4-FFF2-40B4-BE49-F238E27FC236}">
+                <a16:creationId xmlns:a16="http://schemas.microsoft.com/office/drawing/2014/main" id="{5CC46C9B-1D68-4623-943B-93B93818686F}"/>
+              </a:ext>
+            </a:extLst>
+          </p:cNvPr>
+          <p:cNvSpPr>
+            <a:spLocks noGrp="1"/>
+          </p:cNvSpPr>
+          <p:nvPr>
+            <p:ph sz="half" idx="1"/>
+          </p:nvPr>
+        </p:nvSpPr>
+        <p:spPr/>
+        <p:txBody>
+          <a:bodyPr/>
+          <a:lstStyle/>
+          <a:p>
+            <a:r>
+              <a:rPr lang="fr-FR" dirty="0" err="1"/>
+              <a:t>onCreate</a:t>
+            </a:r>
+            <a:endParaRPr lang="fr-FR" dirty="0"/>
+          </a:p>
+          <a:p>
+            <a:r>
+              <a:rPr lang="fr-FR" dirty="0" err="1"/>
+              <a:t>onStart</a:t>
+            </a:r>
+            <a:endParaRPr lang="fr-FR" dirty="0"/>
+          </a:p>
+          <a:p>
+            <a:r>
+              <a:rPr lang="fr-FR" dirty="0" err="1"/>
+              <a:t>onResume</a:t>
+            </a:r>
+            <a:endParaRPr lang="fr-FR" dirty="0"/>
+          </a:p>
+          <a:p>
+            <a:endParaRPr lang="fr-FR" dirty="0"/>
+          </a:p>
+          <a:p>
+            <a:r>
+              <a:rPr lang="fr-FR" dirty="0" err="1"/>
+              <a:t>onPause</a:t>
+            </a:r>
+            <a:endParaRPr lang="fr-FR" dirty="0"/>
+          </a:p>
+          <a:p>
+            <a:r>
+              <a:rPr lang="fr-FR" dirty="0" err="1"/>
+              <a:t>onStop</a:t>
+            </a:r>
+            <a:endParaRPr lang="fr-FR" dirty="0"/>
+          </a:p>
+          <a:p>
+            <a:r>
+              <a:rPr lang="fr-FR" dirty="0" err="1"/>
+              <a:t>onDestroy</a:t>
+            </a:r>
+            <a:endParaRPr lang="fr-FR" dirty="0"/>
+          </a:p>
+        </p:txBody>
+      </p:sp>
+      <p:pic>
+        <p:nvPicPr>
+          <p:cNvPr id="8" name="Espace réservé du contenu 7">
+            <a:extLst>
+              <a:ext uri="{FF2B5EF4-FFF2-40B4-BE49-F238E27FC236}">
+                <a16:creationId xmlns:a16="http://schemas.microsoft.com/office/drawing/2014/main" id="{4D1A3F5D-7C02-48E7-AE2D-9E58E6E60AD5}"/>
+              </a:ext>
+            </a:extLst>
+          </p:cNvPr>
+          <p:cNvPicPr>
+            <a:picLocks noGrp="1" noChangeAspect="1"/>
+          </p:cNvPicPr>
+          <p:nvPr>
+            <p:ph sz="half" idx="2"/>
+          </p:nvPr>
+        </p:nvPicPr>
+        <p:blipFill>
+          <a:blip r:embed="rId2">
+            <a:extLst>
+              <a:ext uri="{28A0092B-C50C-407E-A947-70E740481C1C}">
+                <a14:useLocalDpi xmlns:a14="http://schemas.microsoft.com/office/drawing/2010/main" val="0"/>
+              </a:ext>
+            </a:extLst>
+          </a:blip>
+          <a:stretch>
+            <a:fillRect/>
+          </a:stretch>
+        </p:blipFill>
+        <p:spPr>
+          <a:xfrm>
+            <a:off x="7079564" y="1825625"/>
+            <a:ext cx="3366872" cy="4351338"/>
+          </a:xfrm>
+        </p:spPr>
+      </p:pic>
+      <p:sp>
+        <p:nvSpPr>
+          <p:cNvPr id="5" name="Espace réservé du pied de page 4">
+            <a:extLst>
+              <a:ext uri="{FF2B5EF4-FFF2-40B4-BE49-F238E27FC236}">
+                <a16:creationId xmlns:a16="http://schemas.microsoft.com/office/drawing/2014/main" id="{BA6BEF81-A054-4843-8424-59ADC32AD6B7}"/>
+              </a:ext>
+            </a:extLst>
+          </p:cNvPr>
+          <p:cNvSpPr>
+            <a:spLocks noGrp="1"/>
+          </p:cNvSpPr>
+          <p:nvPr>
+            <p:ph type="ftr" sz="quarter" idx="11"/>
+          </p:nvPr>
+        </p:nvSpPr>
+        <p:spPr/>
+        <p:txBody>
+          <a:bodyPr/>
+          <a:lstStyle/>
+          <a:p>
+            <a:r>
+              <a:rPr lang="fr-FR"/>
+              <a:t>Sasyan Valentin</a:t>
+            </a:r>
+          </a:p>
+        </p:txBody>
+      </p:sp>
+      <p:sp>
+        <p:nvSpPr>
+          <p:cNvPr id="6" name="Espace réservé du numéro de diapositive 5">
+            <a:extLst>
+              <a:ext uri="{FF2B5EF4-FFF2-40B4-BE49-F238E27FC236}">
+                <a16:creationId xmlns:a16="http://schemas.microsoft.com/office/drawing/2014/main" id="{6236684C-02A8-4C4A-8D37-9A355E9CBCCE}"/>
+              </a:ext>
+            </a:extLst>
+          </p:cNvPr>
+          <p:cNvSpPr>
+            <a:spLocks noGrp="1"/>
+          </p:cNvSpPr>
+          <p:nvPr>
+            <p:ph type="sldNum" sz="quarter" idx="12"/>
+          </p:nvPr>
+        </p:nvSpPr>
+        <p:spPr/>
+        <p:txBody>
+          <a:bodyPr/>
+          <a:lstStyle/>
+          <a:p>
+            <a:fld id="{3A78B538-00F0-400D-A284-C229639D6691}" type="slidenum">
+              <a:rPr lang="fr-FR" smtClean="0"/>
+              <a:t>11</a:t>
+            </a:fld>
+            <a:endParaRPr lang="fr-FR"/>
+          </a:p>
+        </p:txBody>
+      </p:sp>
+    </p:spTree>
+    <p:extLst>
+      <p:ext uri="{BB962C8B-B14F-4D97-AF65-F5344CB8AC3E}">
+        <p14:creationId xmlns:p14="http://schemas.microsoft.com/office/powerpoint/2010/main" val="3652859921"/>
       </p:ext>
     </p:extLst>
   </p:cSld>
